--- a/ppt 16-9/1540.耶和华的膀臂环.pptx
+++ b/ppt 16-9/1540.耶和华的膀臂环.pptx
@@ -129,7 +129,7 @@
           <p:cNvPr id="2" name="标题 1">
             <a:extLst>
               <a:ext uri="{FF2B5EF4-FFF2-40B4-BE49-F238E27FC236}">
-                <a16:creationId xmlns:a16="http://schemas.microsoft.com/office/drawing/2014/main" id="{64E03BEA-5721-3964-8DAD-F2DC466484DA}"/>
+                <a16:creationId xmlns:a16="http://schemas.microsoft.com/office/drawing/2014/main" id="{0F660D0F-7630-8EEF-4E70-EAAED09B7111}"/>
               </a:ext>
             </a:extLst>
           </p:cNvPr>
@@ -166,7 +166,7 @@
           <p:cNvPr id="3" name="副标题 2">
             <a:extLst>
               <a:ext uri="{FF2B5EF4-FFF2-40B4-BE49-F238E27FC236}">
-                <a16:creationId xmlns:a16="http://schemas.microsoft.com/office/drawing/2014/main" id="{EBD35506-1A16-DF9E-963A-56118A9D383B}"/>
+                <a16:creationId xmlns:a16="http://schemas.microsoft.com/office/drawing/2014/main" id="{BBB4910F-0859-0A69-E40F-003C43855DA7}"/>
               </a:ext>
             </a:extLst>
           </p:cNvPr>
@@ -236,7 +236,7 @@
           <p:cNvPr id="4" name="日期占位符 3">
             <a:extLst>
               <a:ext uri="{FF2B5EF4-FFF2-40B4-BE49-F238E27FC236}">
-                <a16:creationId xmlns:a16="http://schemas.microsoft.com/office/drawing/2014/main" id="{9E978653-E1A7-A7C2-C0C6-7F749580144E}"/>
+                <a16:creationId xmlns:a16="http://schemas.microsoft.com/office/drawing/2014/main" id="{752CFF2B-08F1-C481-266A-22879EC2F338}"/>
               </a:ext>
             </a:extLst>
           </p:cNvPr>
@@ -252,7 +252,7 @@
           <a:bodyPr/>
           <a:lstStyle/>
           <a:p>
-            <a:fld id="{0979F481-22A3-4F71-B57F-EB140DC9818A}" type="datetimeFigureOut">
+            <a:fld id="{BB61DDCF-2A96-4366-AD48-95E3E0584124}" type="datetimeFigureOut">
               <a:rPr lang="zh-CN" altLang="en-US" smtClean="0"/>
               <a:t>2024/3/10</a:t>
             </a:fld>
@@ -265,7 +265,7 @@
           <p:cNvPr id="5" name="页脚占位符 4">
             <a:extLst>
               <a:ext uri="{FF2B5EF4-FFF2-40B4-BE49-F238E27FC236}">
-                <a16:creationId xmlns:a16="http://schemas.microsoft.com/office/drawing/2014/main" id="{9D88F67A-2F75-0618-B62B-0EBA9F9408E2}"/>
+                <a16:creationId xmlns:a16="http://schemas.microsoft.com/office/drawing/2014/main" id="{B0DF733E-2536-BFF5-304B-8D5A377A8013}"/>
               </a:ext>
             </a:extLst>
           </p:cNvPr>
@@ -290,7 +290,7 @@
           <p:cNvPr id="6" name="灯片编号占位符 5">
             <a:extLst>
               <a:ext uri="{FF2B5EF4-FFF2-40B4-BE49-F238E27FC236}">
-                <a16:creationId xmlns:a16="http://schemas.microsoft.com/office/drawing/2014/main" id="{C0B61BFA-4370-1C87-1819-381A9FC3FE6C}"/>
+                <a16:creationId xmlns:a16="http://schemas.microsoft.com/office/drawing/2014/main" id="{4A24B859-8B22-0F47-7981-42C944AA0415}"/>
               </a:ext>
             </a:extLst>
           </p:cNvPr>
@@ -306,7 +306,7 @@
           <a:bodyPr/>
           <a:lstStyle/>
           <a:p>
-            <a:fld id="{6146A1AA-B728-4EA2-B88A-9E16CCEAC9CE}" type="slidenum">
+            <a:fld id="{BD3AE1AB-8E7B-4151-ABBD-1002902AAEE4}" type="slidenum">
               <a:rPr lang="zh-CN" altLang="en-US" smtClean="0"/>
               <a:t>‹#›</a:t>
             </a:fld>
@@ -317,7 +317,7 @@
     </p:spTree>
     <p:extLst>
       <p:ext uri="{BB962C8B-B14F-4D97-AF65-F5344CB8AC3E}">
-        <p14:creationId xmlns:p14="http://schemas.microsoft.com/office/powerpoint/2010/main" val="3647495747"/>
+        <p14:creationId xmlns:p14="http://schemas.microsoft.com/office/powerpoint/2010/main" val="1542300987"/>
       </p:ext>
     </p:extLst>
   </p:cSld>
@@ -349,7 +349,7 @@
           <p:cNvPr id="2" name="标题 1">
             <a:extLst>
               <a:ext uri="{FF2B5EF4-FFF2-40B4-BE49-F238E27FC236}">
-                <a16:creationId xmlns:a16="http://schemas.microsoft.com/office/drawing/2014/main" id="{5B65CDDC-53FE-3A23-ABC7-32BB44171238}"/>
+                <a16:creationId xmlns:a16="http://schemas.microsoft.com/office/drawing/2014/main" id="{1E52D03B-A7CD-DE54-1AD6-968265FB5E1D}"/>
               </a:ext>
             </a:extLst>
           </p:cNvPr>
@@ -377,7 +377,7 @@
           <p:cNvPr id="3" name="竖排文字占位符 2">
             <a:extLst>
               <a:ext uri="{FF2B5EF4-FFF2-40B4-BE49-F238E27FC236}">
-                <a16:creationId xmlns:a16="http://schemas.microsoft.com/office/drawing/2014/main" id="{E95FBEB3-C2EA-10DF-5B6D-A4A47AB5A452}"/>
+                <a16:creationId xmlns:a16="http://schemas.microsoft.com/office/drawing/2014/main" id="{EB63EB00-C3DB-6D78-E873-D14828D6828B}"/>
               </a:ext>
             </a:extLst>
           </p:cNvPr>
@@ -434,7 +434,7 @@
           <p:cNvPr id="4" name="日期占位符 3">
             <a:extLst>
               <a:ext uri="{FF2B5EF4-FFF2-40B4-BE49-F238E27FC236}">
-                <a16:creationId xmlns:a16="http://schemas.microsoft.com/office/drawing/2014/main" id="{F45B8092-5AC0-ECB4-1DB2-335330A4F4F8}"/>
+                <a16:creationId xmlns:a16="http://schemas.microsoft.com/office/drawing/2014/main" id="{0CEAB4C5-E9B2-574A-4EBE-3D6346BFB103}"/>
               </a:ext>
             </a:extLst>
           </p:cNvPr>
@@ -450,7 +450,7 @@
           <a:bodyPr/>
           <a:lstStyle/>
           <a:p>
-            <a:fld id="{0979F481-22A3-4F71-B57F-EB140DC9818A}" type="datetimeFigureOut">
+            <a:fld id="{BB61DDCF-2A96-4366-AD48-95E3E0584124}" type="datetimeFigureOut">
               <a:rPr lang="zh-CN" altLang="en-US" smtClean="0"/>
               <a:t>2024/3/10</a:t>
             </a:fld>
@@ -463,7 +463,7 @@
           <p:cNvPr id="5" name="页脚占位符 4">
             <a:extLst>
               <a:ext uri="{FF2B5EF4-FFF2-40B4-BE49-F238E27FC236}">
-                <a16:creationId xmlns:a16="http://schemas.microsoft.com/office/drawing/2014/main" id="{1D1E7705-C016-F20E-1763-AE5AAF050C31}"/>
+                <a16:creationId xmlns:a16="http://schemas.microsoft.com/office/drawing/2014/main" id="{8948DE15-C6F7-583D-AC7A-4D9234AB9A1A}"/>
               </a:ext>
             </a:extLst>
           </p:cNvPr>
@@ -488,7 +488,7 @@
           <p:cNvPr id="6" name="灯片编号占位符 5">
             <a:extLst>
               <a:ext uri="{FF2B5EF4-FFF2-40B4-BE49-F238E27FC236}">
-                <a16:creationId xmlns:a16="http://schemas.microsoft.com/office/drawing/2014/main" id="{87AC4962-9F6B-287A-F387-59DB1A3269A4}"/>
+                <a16:creationId xmlns:a16="http://schemas.microsoft.com/office/drawing/2014/main" id="{7BF600CA-B720-1B22-5289-6C7B38DD6065}"/>
               </a:ext>
             </a:extLst>
           </p:cNvPr>
@@ -504,7 +504,7 @@
           <a:bodyPr/>
           <a:lstStyle/>
           <a:p>
-            <a:fld id="{6146A1AA-B728-4EA2-B88A-9E16CCEAC9CE}" type="slidenum">
+            <a:fld id="{BD3AE1AB-8E7B-4151-ABBD-1002902AAEE4}" type="slidenum">
               <a:rPr lang="zh-CN" altLang="en-US" smtClean="0"/>
               <a:t>‹#›</a:t>
             </a:fld>
@@ -515,7 +515,7 @@
     </p:spTree>
     <p:extLst>
       <p:ext uri="{BB962C8B-B14F-4D97-AF65-F5344CB8AC3E}">
-        <p14:creationId xmlns:p14="http://schemas.microsoft.com/office/powerpoint/2010/main" val="24727038"/>
+        <p14:creationId xmlns:p14="http://schemas.microsoft.com/office/powerpoint/2010/main" val="1288442"/>
       </p:ext>
     </p:extLst>
   </p:cSld>
@@ -547,7 +547,7 @@
           <p:cNvPr id="2" name="竖排标题 1">
             <a:extLst>
               <a:ext uri="{FF2B5EF4-FFF2-40B4-BE49-F238E27FC236}">
-                <a16:creationId xmlns:a16="http://schemas.microsoft.com/office/drawing/2014/main" id="{B3C320AD-4BE6-24F2-F50A-FF78B3375076}"/>
+                <a16:creationId xmlns:a16="http://schemas.microsoft.com/office/drawing/2014/main" id="{69BF923A-FEE2-F56D-73C3-4018D83E6112}"/>
               </a:ext>
             </a:extLst>
           </p:cNvPr>
@@ -580,7 +580,7 @@
           <p:cNvPr id="3" name="竖排文字占位符 2">
             <a:extLst>
               <a:ext uri="{FF2B5EF4-FFF2-40B4-BE49-F238E27FC236}">
-                <a16:creationId xmlns:a16="http://schemas.microsoft.com/office/drawing/2014/main" id="{D293AFEC-09CB-1125-7E01-D4C31F0F8DE5}"/>
+                <a16:creationId xmlns:a16="http://schemas.microsoft.com/office/drawing/2014/main" id="{B2169A43-431E-EDC1-2AB6-18E0B39FAA14}"/>
               </a:ext>
             </a:extLst>
           </p:cNvPr>
@@ -642,7 +642,7 @@
           <p:cNvPr id="4" name="日期占位符 3">
             <a:extLst>
               <a:ext uri="{FF2B5EF4-FFF2-40B4-BE49-F238E27FC236}">
-                <a16:creationId xmlns:a16="http://schemas.microsoft.com/office/drawing/2014/main" id="{D94A71C1-CD7B-BACF-3B14-3B631EA23289}"/>
+                <a16:creationId xmlns:a16="http://schemas.microsoft.com/office/drawing/2014/main" id="{73EC0BC9-6E5D-9BA1-32FA-CA67137833DF}"/>
               </a:ext>
             </a:extLst>
           </p:cNvPr>
@@ -658,7 +658,7 @@
           <a:bodyPr/>
           <a:lstStyle/>
           <a:p>
-            <a:fld id="{0979F481-22A3-4F71-B57F-EB140DC9818A}" type="datetimeFigureOut">
+            <a:fld id="{BB61DDCF-2A96-4366-AD48-95E3E0584124}" type="datetimeFigureOut">
               <a:rPr lang="zh-CN" altLang="en-US" smtClean="0"/>
               <a:t>2024/3/10</a:t>
             </a:fld>
@@ -671,7 +671,7 @@
           <p:cNvPr id="5" name="页脚占位符 4">
             <a:extLst>
               <a:ext uri="{FF2B5EF4-FFF2-40B4-BE49-F238E27FC236}">
-                <a16:creationId xmlns:a16="http://schemas.microsoft.com/office/drawing/2014/main" id="{31561AEB-2F7C-52EA-D17B-949249C46C5B}"/>
+                <a16:creationId xmlns:a16="http://schemas.microsoft.com/office/drawing/2014/main" id="{0588470B-2E0D-60F6-E9D0-0DB30454D4DE}"/>
               </a:ext>
             </a:extLst>
           </p:cNvPr>
@@ -696,7 +696,7 @@
           <p:cNvPr id="6" name="灯片编号占位符 5">
             <a:extLst>
               <a:ext uri="{FF2B5EF4-FFF2-40B4-BE49-F238E27FC236}">
-                <a16:creationId xmlns:a16="http://schemas.microsoft.com/office/drawing/2014/main" id="{FA2CA263-8191-5DDB-9700-7664C813B758}"/>
+                <a16:creationId xmlns:a16="http://schemas.microsoft.com/office/drawing/2014/main" id="{753B689E-9EBE-4941-6431-C8E02AEBD0E0}"/>
               </a:ext>
             </a:extLst>
           </p:cNvPr>
@@ -712,7 +712,7 @@
           <a:bodyPr/>
           <a:lstStyle/>
           <a:p>
-            <a:fld id="{6146A1AA-B728-4EA2-B88A-9E16CCEAC9CE}" type="slidenum">
+            <a:fld id="{BD3AE1AB-8E7B-4151-ABBD-1002902AAEE4}" type="slidenum">
               <a:rPr lang="zh-CN" altLang="en-US" smtClean="0"/>
               <a:t>‹#›</a:t>
             </a:fld>
@@ -723,7 +723,7 @@
     </p:spTree>
     <p:extLst>
       <p:ext uri="{BB962C8B-B14F-4D97-AF65-F5344CB8AC3E}">
-        <p14:creationId xmlns:p14="http://schemas.microsoft.com/office/powerpoint/2010/main" val="833883343"/>
+        <p14:creationId xmlns:p14="http://schemas.microsoft.com/office/powerpoint/2010/main" val="861191100"/>
       </p:ext>
     </p:extLst>
   </p:cSld>
@@ -755,7 +755,7 @@
           <p:cNvPr id="2" name="标题 1">
             <a:extLst>
               <a:ext uri="{FF2B5EF4-FFF2-40B4-BE49-F238E27FC236}">
-                <a16:creationId xmlns:a16="http://schemas.microsoft.com/office/drawing/2014/main" id="{F3A11206-0CCD-46A7-5D7F-B2BC23F5567F}"/>
+                <a16:creationId xmlns:a16="http://schemas.microsoft.com/office/drawing/2014/main" id="{41280C38-7103-F9AA-1586-1F821A080965}"/>
               </a:ext>
             </a:extLst>
           </p:cNvPr>
@@ -783,7 +783,7 @@
           <p:cNvPr id="3" name="内容占位符 2">
             <a:extLst>
               <a:ext uri="{FF2B5EF4-FFF2-40B4-BE49-F238E27FC236}">
-                <a16:creationId xmlns:a16="http://schemas.microsoft.com/office/drawing/2014/main" id="{7567CD1B-D061-1026-4EF0-43BCFEAD944E}"/>
+                <a16:creationId xmlns:a16="http://schemas.microsoft.com/office/drawing/2014/main" id="{7EFF5856-DCBD-6754-CA08-1F76A023F5E3}"/>
               </a:ext>
             </a:extLst>
           </p:cNvPr>
@@ -840,7 +840,7 @@
           <p:cNvPr id="4" name="日期占位符 3">
             <a:extLst>
               <a:ext uri="{FF2B5EF4-FFF2-40B4-BE49-F238E27FC236}">
-                <a16:creationId xmlns:a16="http://schemas.microsoft.com/office/drawing/2014/main" id="{4A8DBDF4-A37D-922C-75E1-02CABEE7CC10}"/>
+                <a16:creationId xmlns:a16="http://schemas.microsoft.com/office/drawing/2014/main" id="{1B4D8D01-9140-99DE-5686-DF0ED6E568AD}"/>
               </a:ext>
             </a:extLst>
           </p:cNvPr>
@@ -856,7 +856,7 @@
           <a:bodyPr/>
           <a:lstStyle/>
           <a:p>
-            <a:fld id="{0979F481-22A3-4F71-B57F-EB140DC9818A}" type="datetimeFigureOut">
+            <a:fld id="{BB61DDCF-2A96-4366-AD48-95E3E0584124}" type="datetimeFigureOut">
               <a:rPr lang="zh-CN" altLang="en-US" smtClean="0"/>
               <a:t>2024/3/10</a:t>
             </a:fld>
@@ -869,7 +869,7 @@
           <p:cNvPr id="5" name="页脚占位符 4">
             <a:extLst>
               <a:ext uri="{FF2B5EF4-FFF2-40B4-BE49-F238E27FC236}">
-                <a16:creationId xmlns:a16="http://schemas.microsoft.com/office/drawing/2014/main" id="{6DFB7BFE-7BBD-56FC-7726-83C261916106}"/>
+                <a16:creationId xmlns:a16="http://schemas.microsoft.com/office/drawing/2014/main" id="{80507741-606C-48AA-B232-F7C1E52BF388}"/>
               </a:ext>
             </a:extLst>
           </p:cNvPr>
@@ -894,7 +894,7 @@
           <p:cNvPr id="6" name="灯片编号占位符 5">
             <a:extLst>
               <a:ext uri="{FF2B5EF4-FFF2-40B4-BE49-F238E27FC236}">
-                <a16:creationId xmlns:a16="http://schemas.microsoft.com/office/drawing/2014/main" id="{E533B93A-040E-F114-48B9-29FD79DC854F}"/>
+                <a16:creationId xmlns:a16="http://schemas.microsoft.com/office/drawing/2014/main" id="{DACFA7C8-E533-A697-2473-431D2FCE3CC4}"/>
               </a:ext>
             </a:extLst>
           </p:cNvPr>
@@ -910,7 +910,7 @@
           <a:bodyPr/>
           <a:lstStyle/>
           <a:p>
-            <a:fld id="{6146A1AA-B728-4EA2-B88A-9E16CCEAC9CE}" type="slidenum">
+            <a:fld id="{BD3AE1AB-8E7B-4151-ABBD-1002902AAEE4}" type="slidenum">
               <a:rPr lang="zh-CN" altLang="en-US" smtClean="0"/>
               <a:t>‹#›</a:t>
             </a:fld>
@@ -921,7 +921,7 @@
     </p:spTree>
     <p:extLst>
       <p:ext uri="{BB962C8B-B14F-4D97-AF65-F5344CB8AC3E}">
-        <p14:creationId xmlns:p14="http://schemas.microsoft.com/office/powerpoint/2010/main" val="537533659"/>
+        <p14:creationId xmlns:p14="http://schemas.microsoft.com/office/powerpoint/2010/main" val="1221812956"/>
       </p:ext>
     </p:extLst>
   </p:cSld>
@@ -953,7 +953,7 @@
           <p:cNvPr id="2" name="标题 1">
             <a:extLst>
               <a:ext uri="{FF2B5EF4-FFF2-40B4-BE49-F238E27FC236}">
-                <a16:creationId xmlns:a16="http://schemas.microsoft.com/office/drawing/2014/main" id="{87E879B9-BC52-7F68-6304-B7E09010B590}"/>
+                <a16:creationId xmlns:a16="http://schemas.microsoft.com/office/drawing/2014/main" id="{4FFDB955-575E-F3C6-DDEB-BCDAE6649DE5}"/>
               </a:ext>
             </a:extLst>
           </p:cNvPr>
@@ -990,7 +990,7 @@
           <p:cNvPr id="3" name="文本占位符 2">
             <a:extLst>
               <a:ext uri="{FF2B5EF4-FFF2-40B4-BE49-F238E27FC236}">
-                <a16:creationId xmlns:a16="http://schemas.microsoft.com/office/drawing/2014/main" id="{17C7EA50-7480-3650-2FAE-D3CABF6BD0FB}"/>
+                <a16:creationId xmlns:a16="http://schemas.microsoft.com/office/drawing/2014/main" id="{2E1970A1-D098-62BB-4818-B6BD080EE807}"/>
               </a:ext>
             </a:extLst>
           </p:cNvPr>
@@ -1115,7 +1115,7 @@
           <p:cNvPr id="4" name="日期占位符 3">
             <a:extLst>
               <a:ext uri="{FF2B5EF4-FFF2-40B4-BE49-F238E27FC236}">
-                <a16:creationId xmlns:a16="http://schemas.microsoft.com/office/drawing/2014/main" id="{2934024A-A114-0AA5-9AF1-D9E36D40028C}"/>
+                <a16:creationId xmlns:a16="http://schemas.microsoft.com/office/drawing/2014/main" id="{FF13A4F4-ADB5-49A5-5BD6-FF313D06EE7A}"/>
               </a:ext>
             </a:extLst>
           </p:cNvPr>
@@ -1131,7 +1131,7 @@
           <a:bodyPr/>
           <a:lstStyle/>
           <a:p>
-            <a:fld id="{0979F481-22A3-4F71-B57F-EB140DC9818A}" type="datetimeFigureOut">
+            <a:fld id="{BB61DDCF-2A96-4366-AD48-95E3E0584124}" type="datetimeFigureOut">
               <a:rPr lang="zh-CN" altLang="en-US" smtClean="0"/>
               <a:t>2024/3/10</a:t>
             </a:fld>
@@ -1144,7 +1144,7 @@
           <p:cNvPr id="5" name="页脚占位符 4">
             <a:extLst>
               <a:ext uri="{FF2B5EF4-FFF2-40B4-BE49-F238E27FC236}">
-                <a16:creationId xmlns:a16="http://schemas.microsoft.com/office/drawing/2014/main" id="{C78D175E-5148-83FF-BD27-EA6E28A8DEC3}"/>
+                <a16:creationId xmlns:a16="http://schemas.microsoft.com/office/drawing/2014/main" id="{17DC0E7B-78AE-4788-376E-BF0BBC1F75BD}"/>
               </a:ext>
             </a:extLst>
           </p:cNvPr>
@@ -1169,7 +1169,7 @@
           <p:cNvPr id="6" name="灯片编号占位符 5">
             <a:extLst>
               <a:ext uri="{FF2B5EF4-FFF2-40B4-BE49-F238E27FC236}">
-                <a16:creationId xmlns:a16="http://schemas.microsoft.com/office/drawing/2014/main" id="{07FA8EB8-5D70-B023-062F-EF1533F50D08}"/>
+                <a16:creationId xmlns:a16="http://schemas.microsoft.com/office/drawing/2014/main" id="{9997E956-18B6-5D29-5BF8-2ADE0C27B216}"/>
               </a:ext>
             </a:extLst>
           </p:cNvPr>
@@ -1185,7 +1185,7 @@
           <a:bodyPr/>
           <a:lstStyle/>
           <a:p>
-            <a:fld id="{6146A1AA-B728-4EA2-B88A-9E16CCEAC9CE}" type="slidenum">
+            <a:fld id="{BD3AE1AB-8E7B-4151-ABBD-1002902AAEE4}" type="slidenum">
               <a:rPr lang="zh-CN" altLang="en-US" smtClean="0"/>
               <a:t>‹#›</a:t>
             </a:fld>
@@ -1196,7 +1196,7 @@
     </p:spTree>
     <p:extLst>
       <p:ext uri="{BB962C8B-B14F-4D97-AF65-F5344CB8AC3E}">
-        <p14:creationId xmlns:p14="http://schemas.microsoft.com/office/powerpoint/2010/main" val="2342417579"/>
+        <p14:creationId xmlns:p14="http://schemas.microsoft.com/office/powerpoint/2010/main" val="966482719"/>
       </p:ext>
     </p:extLst>
   </p:cSld>
@@ -1228,7 +1228,7 @@
           <p:cNvPr id="2" name="标题 1">
             <a:extLst>
               <a:ext uri="{FF2B5EF4-FFF2-40B4-BE49-F238E27FC236}">
-                <a16:creationId xmlns:a16="http://schemas.microsoft.com/office/drawing/2014/main" id="{D80A731A-83F5-12F7-2F9F-F9E482CFAE2F}"/>
+                <a16:creationId xmlns:a16="http://schemas.microsoft.com/office/drawing/2014/main" id="{265CE6C5-3A74-BBEF-71A1-084CC9A7287F}"/>
               </a:ext>
             </a:extLst>
           </p:cNvPr>
@@ -1256,7 +1256,7 @@
           <p:cNvPr id="3" name="内容占位符 2">
             <a:extLst>
               <a:ext uri="{FF2B5EF4-FFF2-40B4-BE49-F238E27FC236}">
-                <a16:creationId xmlns:a16="http://schemas.microsoft.com/office/drawing/2014/main" id="{8121D805-37EE-0729-5339-164C6D107409}"/>
+                <a16:creationId xmlns:a16="http://schemas.microsoft.com/office/drawing/2014/main" id="{F78B8B69-B80F-96AC-4994-575BC4B6B6D7}"/>
               </a:ext>
             </a:extLst>
           </p:cNvPr>
@@ -1318,7 +1318,7 @@
           <p:cNvPr id="4" name="内容占位符 3">
             <a:extLst>
               <a:ext uri="{FF2B5EF4-FFF2-40B4-BE49-F238E27FC236}">
-                <a16:creationId xmlns:a16="http://schemas.microsoft.com/office/drawing/2014/main" id="{7012368E-0EF8-412E-5E31-2004B9B17043}"/>
+                <a16:creationId xmlns:a16="http://schemas.microsoft.com/office/drawing/2014/main" id="{00C61454-E14F-61BB-44B4-71705F6BCEA0}"/>
               </a:ext>
             </a:extLst>
           </p:cNvPr>
@@ -1380,7 +1380,7 @@
           <p:cNvPr id="5" name="日期占位符 4">
             <a:extLst>
               <a:ext uri="{FF2B5EF4-FFF2-40B4-BE49-F238E27FC236}">
-                <a16:creationId xmlns:a16="http://schemas.microsoft.com/office/drawing/2014/main" id="{5804D182-EDF8-264A-0A95-29B79F86B9F2}"/>
+                <a16:creationId xmlns:a16="http://schemas.microsoft.com/office/drawing/2014/main" id="{BF705007-E702-96A8-D1C0-8D4F94E67631}"/>
               </a:ext>
             </a:extLst>
           </p:cNvPr>
@@ -1396,7 +1396,7 @@
           <a:bodyPr/>
           <a:lstStyle/>
           <a:p>
-            <a:fld id="{0979F481-22A3-4F71-B57F-EB140DC9818A}" type="datetimeFigureOut">
+            <a:fld id="{BB61DDCF-2A96-4366-AD48-95E3E0584124}" type="datetimeFigureOut">
               <a:rPr lang="zh-CN" altLang="en-US" smtClean="0"/>
               <a:t>2024/3/10</a:t>
             </a:fld>
@@ -1409,7 +1409,7 @@
           <p:cNvPr id="6" name="页脚占位符 5">
             <a:extLst>
               <a:ext uri="{FF2B5EF4-FFF2-40B4-BE49-F238E27FC236}">
-                <a16:creationId xmlns:a16="http://schemas.microsoft.com/office/drawing/2014/main" id="{532F3098-92C0-03B4-30DF-E07D0A413261}"/>
+                <a16:creationId xmlns:a16="http://schemas.microsoft.com/office/drawing/2014/main" id="{DB8A8F0C-FEFC-46D5-36EA-29D3049117D2}"/>
               </a:ext>
             </a:extLst>
           </p:cNvPr>
@@ -1434,7 +1434,7 @@
           <p:cNvPr id="7" name="灯片编号占位符 6">
             <a:extLst>
               <a:ext uri="{FF2B5EF4-FFF2-40B4-BE49-F238E27FC236}">
-                <a16:creationId xmlns:a16="http://schemas.microsoft.com/office/drawing/2014/main" id="{29CA3855-0661-D96C-79D1-B08BBC88A94A}"/>
+                <a16:creationId xmlns:a16="http://schemas.microsoft.com/office/drawing/2014/main" id="{E249FB0E-D778-7AEA-7726-919ADD2940D3}"/>
               </a:ext>
             </a:extLst>
           </p:cNvPr>
@@ -1450,7 +1450,7 @@
           <a:bodyPr/>
           <a:lstStyle/>
           <a:p>
-            <a:fld id="{6146A1AA-B728-4EA2-B88A-9E16CCEAC9CE}" type="slidenum">
+            <a:fld id="{BD3AE1AB-8E7B-4151-ABBD-1002902AAEE4}" type="slidenum">
               <a:rPr lang="zh-CN" altLang="en-US" smtClean="0"/>
               <a:t>‹#›</a:t>
             </a:fld>
@@ -1461,7 +1461,7 @@
     </p:spTree>
     <p:extLst>
       <p:ext uri="{BB962C8B-B14F-4D97-AF65-F5344CB8AC3E}">
-        <p14:creationId xmlns:p14="http://schemas.microsoft.com/office/powerpoint/2010/main" val="1163311865"/>
+        <p14:creationId xmlns:p14="http://schemas.microsoft.com/office/powerpoint/2010/main" val="4107092921"/>
       </p:ext>
     </p:extLst>
   </p:cSld>
@@ -1493,7 +1493,7 @@
           <p:cNvPr id="2" name="标题 1">
             <a:extLst>
               <a:ext uri="{FF2B5EF4-FFF2-40B4-BE49-F238E27FC236}">
-                <a16:creationId xmlns:a16="http://schemas.microsoft.com/office/drawing/2014/main" id="{35BCB4BE-6951-8326-B8AB-908E99F1352E}"/>
+                <a16:creationId xmlns:a16="http://schemas.microsoft.com/office/drawing/2014/main" id="{609F561E-6C3A-0122-8282-7DEF78F0D8E5}"/>
               </a:ext>
             </a:extLst>
           </p:cNvPr>
@@ -1526,7 +1526,7 @@
           <p:cNvPr id="3" name="文本占位符 2">
             <a:extLst>
               <a:ext uri="{FF2B5EF4-FFF2-40B4-BE49-F238E27FC236}">
-                <a16:creationId xmlns:a16="http://schemas.microsoft.com/office/drawing/2014/main" id="{8D0AA2EC-692B-53CF-C924-D1B5F322F095}"/>
+                <a16:creationId xmlns:a16="http://schemas.microsoft.com/office/drawing/2014/main" id="{0A3C86D8-34D1-2751-2950-F86F1A978FD8}"/>
               </a:ext>
             </a:extLst>
           </p:cNvPr>
@@ -1597,7 +1597,7 @@
           <p:cNvPr id="4" name="内容占位符 3">
             <a:extLst>
               <a:ext uri="{FF2B5EF4-FFF2-40B4-BE49-F238E27FC236}">
-                <a16:creationId xmlns:a16="http://schemas.microsoft.com/office/drawing/2014/main" id="{0609E0EB-B75F-CAD2-AA26-1AE3459DA76F}"/>
+                <a16:creationId xmlns:a16="http://schemas.microsoft.com/office/drawing/2014/main" id="{A5E0DA79-C722-B986-0C16-5A931E5BA3A2}"/>
               </a:ext>
             </a:extLst>
           </p:cNvPr>
@@ -1659,7 +1659,7 @@
           <p:cNvPr id="5" name="文本占位符 4">
             <a:extLst>
               <a:ext uri="{FF2B5EF4-FFF2-40B4-BE49-F238E27FC236}">
-                <a16:creationId xmlns:a16="http://schemas.microsoft.com/office/drawing/2014/main" id="{1FCECF67-7FBA-900B-D1BE-8E6FAF2FB550}"/>
+                <a16:creationId xmlns:a16="http://schemas.microsoft.com/office/drawing/2014/main" id="{DE2C9E44-8631-9111-37B4-AE81F98CB669}"/>
               </a:ext>
             </a:extLst>
           </p:cNvPr>
@@ -1730,7 +1730,7 @@
           <p:cNvPr id="6" name="内容占位符 5">
             <a:extLst>
               <a:ext uri="{FF2B5EF4-FFF2-40B4-BE49-F238E27FC236}">
-                <a16:creationId xmlns:a16="http://schemas.microsoft.com/office/drawing/2014/main" id="{3A4A44F1-F328-E1A2-37C2-AA028EAE5CDB}"/>
+                <a16:creationId xmlns:a16="http://schemas.microsoft.com/office/drawing/2014/main" id="{A6007F59-4803-9D8A-C7D3-931794B3B440}"/>
               </a:ext>
             </a:extLst>
           </p:cNvPr>
@@ -1792,7 +1792,7 @@
           <p:cNvPr id="7" name="日期占位符 6">
             <a:extLst>
               <a:ext uri="{FF2B5EF4-FFF2-40B4-BE49-F238E27FC236}">
-                <a16:creationId xmlns:a16="http://schemas.microsoft.com/office/drawing/2014/main" id="{142901B5-585D-154B-9D76-3883FA7E0966}"/>
+                <a16:creationId xmlns:a16="http://schemas.microsoft.com/office/drawing/2014/main" id="{53B28B9E-BC73-C75E-08BE-1F9D1CE3D408}"/>
               </a:ext>
             </a:extLst>
           </p:cNvPr>
@@ -1808,7 +1808,7 @@
           <a:bodyPr/>
           <a:lstStyle/>
           <a:p>
-            <a:fld id="{0979F481-22A3-4F71-B57F-EB140DC9818A}" type="datetimeFigureOut">
+            <a:fld id="{BB61DDCF-2A96-4366-AD48-95E3E0584124}" type="datetimeFigureOut">
               <a:rPr lang="zh-CN" altLang="en-US" smtClean="0"/>
               <a:t>2024/3/10</a:t>
             </a:fld>
@@ -1821,7 +1821,7 @@
           <p:cNvPr id="8" name="页脚占位符 7">
             <a:extLst>
               <a:ext uri="{FF2B5EF4-FFF2-40B4-BE49-F238E27FC236}">
-                <a16:creationId xmlns:a16="http://schemas.microsoft.com/office/drawing/2014/main" id="{4CA7C527-6F50-679B-BE65-BA8A0D91ECE0}"/>
+                <a16:creationId xmlns:a16="http://schemas.microsoft.com/office/drawing/2014/main" id="{54D3CB18-561D-DD43-53C2-BEB8BBB824D2}"/>
               </a:ext>
             </a:extLst>
           </p:cNvPr>
@@ -1846,7 +1846,7 @@
           <p:cNvPr id="9" name="灯片编号占位符 8">
             <a:extLst>
               <a:ext uri="{FF2B5EF4-FFF2-40B4-BE49-F238E27FC236}">
-                <a16:creationId xmlns:a16="http://schemas.microsoft.com/office/drawing/2014/main" id="{D31A7327-AFFB-0BFF-B1FB-14A5E86F6E7C}"/>
+                <a16:creationId xmlns:a16="http://schemas.microsoft.com/office/drawing/2014/main" id="{CAC47ADE-2FBD-421B-CB82-40D3066698C6}"/>
               </a:ext>
             </a:extLst>
           </p:cNvPr>
@@ -1862,7 +1862,7 @@
           <a:bodyPr/>
           <a:lstStyle/>
           <a:p>
-            <a:fld id="{6146A1AA-B728-4EA2-B88A-9E16CCEAC9CE}" type="slidenum">
+            <a:fld id="{BD3AE1AB-8E7B-4151-ABBD-1002902AAEE4}" type="slidenum">
               <a:rPr lang="zh-CN" altLang="en-US" smtClean="0"/>
               <a:t>‹#›</a:t>
             </a:fld>
@@ -1873,7 +1873,7 @@
     </p:spTree>
     <p:extLst>
       <p:ext uri="{BB962C8B-B14F-4D97-AF65-F5344CB8AC3E}">
-        <p14:creationId xmlns:p14="http://schemas.microsoft.com/office/powerpoint/2010/main" val="4118014574"/>
+        <p14:creationId xmlns:p14="http://schemas.microsoft.com/office/powerpoint/2010/main" val="720363373"/>
       </p:ext>
     </p:extLst>
   </p:cSld>
@@ -1905,7 +1905,7 @@
           <p:cNvPr id="2" name="标题 1">
             <a:extLst>
               <a:ext uri="{FF2B5EF4-FFF2-40B4-BE49-F238E27FC236}">
-                <a16:creationId xmlns:a16="http://schemas.microsoft.com/office/drawing/2014/main" id="{46E3C055-8BDB-F6CE-F734-13681F2140B9}"/>
+                <a16:creationId xmlns:a16="http://schemas.microsoft.com/office/drawing/2014/main" id="{BB1C9CF4-ED78-1995-4AEC-DD9391EB22FA}"/>
               </a:ext>
             </a:extLst>
           </p:cNvPr>
@@ -1933,7 +1933,7 @@
           <p:cNvPr id="3" name="日期占位符 2">
             <a:extLst>
               <a:ext uri="{FF2B5EF4-FFF2-40B4-BE49-F238E27FC236}">
-                <a16:creationId xmlns:a16="http://schemas.microsoft.com/office/drawing/2014/main" id="{5287E858-FF94-6A20-5728-945929B90E8B}"/>
+                <a16:creationId xmlns:a16="http://schemas.microsoft.com/office/drawing/2014/main" id="{5CFBB261-E4ED-CCE4-D012-2E0E0B075E47}"/>
               </a:ext>
             </a:extLst>
           </p:cNvPr>
@@ -1949,7 +1949,7 @@
           <a:bodyPr/>
           <a:lstStyle/>
           <a:p>
-            <a:fld id="{0979F481-22A3-4F71-B57F-EB140DC9818A}" type="datetimeFigureOut">
+            <a:fld id="{BB61DDCF-2A96-4366-AD48-95E3E0584124}" type="datetimeFigureOut">
               <a:rPr lang="zh-CN" altLang="en-US" smtClean="0"/>
               <a:t>2024/3/10</a:t>
             </a:fld>
@@ -1962,7 +1962,7 @@
           <p:cNvPr id="4" name="页脚占位符 3">
             <a:extLst>
               <a:ext uri="{FF2B5EF4-FFF2-40B4-BE49-F238E27FC236}">
-                <a16:creationId xmlns:a16="http://schemas.microsoft.com/office/drawing/2014/main" id="{A7DCD2C9-11B2-E34E-942A-1D95EF071089}"/>
+                <a16:creationId xmlns:a16="http://schemas.microsoft.com/office/drawing/2014/main" id="{F32E94E3-3D24-9230-BB12-15F625514308}"/>
               </a:ext>
             </a:extLst>
           </p:cNvPr>
@@ -1987,7 +1987,7 @@
           <p:cNvPr id="5" name="灯片编号占位符 4">
             <a:extLst>
               <a:ext uri="{FF2B5EF4-FFF2-40B4-BE49-F238E27FC236}">
-                <a16:creationId xmlns:a16="http://schemas.microsoft.com/office/drawing/2014/main" id="{D9D7A5E3-2470-B98D-4417-7D3A33F649C6}"/>
+                <a16:creationId xmlns:a16="http://schemas.microsoft.com/office/drawing/2014/main" id="{017F0B2D-B38A-2738-B215-8639B7CA64D3}"/>
               </a:ext>
             </a:extLst>
           </p:cNvPr>
@@ -2003,7 +2003,7 @@
           <a:bodyPr/>
           <a:lstStyle/>
           <a:p>
-            <a:fld id="{6146A1AA-B728-4EA2-B88A-9E16CCEAC9CE}" type="slidenum">
+            <a:fld id="{BD3AE1AB-8E7B-4151-ABBD-1002902AAEE4}" type="slidenum">
               <a:rPr lang="zh-CN" altLang="en-US" smtClean="0"/>
               <a:t>‹#›</a:t>
             </a:fld>
@@ -2014,7 +2014,7 @@
     </p:spTree>
     <p:extLst>
       <p:ext uri="{BB962C8B-B14F-4D97-AF65-F5344CB8AC3E}">
-        <p14:creationId xmlns:p14="http://schemas.microsoft.com/office/powerpoint/2010/main" val="3698091079"/>
+        <p14:creationId xmlns:p14="http://schemas.microsoft.com/office/powerpoint/2010/main" val="1626117213"/>
       </p:ext>
     </p:extLst>
   </p:cSld>
@@ -2046,7 +2046,7 @@
           <p:cNvPr id="2" name="日期占位符 1">
             <a:extLst>
               <a:ext uri="{FF2B5EF4-FFF2-40B4-BE49-F238E27FC236}">
-                <a16:creationId xmlns:a16="http://schemas.microsoft.com/office/drawing/2014/main" id="{2CCEEE11-7843-152D-99B0-7105574E618C}"/>
+                <a16:creationId xmlns:a16="http://schemas.microsoft.com/office/drawing/2014/main" id="{129E616E-C6D6-1717-3D3B-BDE3964F4EC4}"/>
               </a:ext>
             </a:extLst>
           </p:cNvPr>
@@ -2062,7 +2062,7 @@
           <a:bodyPr/>
           <a:lstStyle/>
           <a:p>
-            <a:fld id="{0979F481-22A3-4F71-B57F-EB140DC9818A}" type="datetimeFigureOut">
+            <a:fld id="{BB61DDCF-2A96-4366-AD48-95E3E0584124}" type="datetimeFigureOut">
               <a:rPr lang="zh-CN" altLang="en-US" smtClean="0"/>
               <a:t>2024/3/10</a:t>
             </a:fld>
@@ -2075,7 +2075,7 @@
           <p:cNvPr id="3" name="页脚占位符 2">
             <a:extLst>
               <a:ext uri="{FF2B5EF4-FFF2-40B4-BE49-F238E27FC236}">
-                <a16:creationId xmlns:a16="http://schemas.microsoft.com/office/drawing/2014/main" id="{85AB066F-09C5-5CA6-4797-2EA31EC0E1E8}"/>
+                <a16:creationId xmlns:a16="http://schemas.microsoft.com/office/drawing/2014/main" id="{92B02C6C-A95D-D5A5-D8B7-8449E1253C5C}"/>
               </a:ext>
             </a:extLst>
           </p:cNvPr>
@@ -2100,7 +2100,7 @@
           <p:cNvPr id="4" name="灯片编号占位符 3">
             <a:extLst>
               <a:ext uri="{FF2B5EF4-FFF2-40B4-BE49-F238E27FC236}">
-                <a16:creationId xmlns:a16="http://schemas.microsoft.com/office/drawing/2014/main" id="{0BA622C3-D5C0-AD43-D9DA-4121718D986A}"/>
+                <a16:creationId xmlns:a16="http://schemas.microsoft.com/office/drawing/2014/main" id="{AF2E8F00-41AD-4092-DDC0-EC6DC230A992}"/>
               </a:ext>
             </a:extLst>
           </p:cNvPr>
@@ -2116,7 +2116,7 @@
           <a:bodyPr/>
           <a:lstStyle/>
           <a:p>
-            <a:fld id="{6146A1AA-B728-4EA2-B88A-9E16CCEAC9CE}" type="slidenum">
+            <a:fld id="{BD3AE1AB-8E7B-4151-ABBD-1002902AAEE4}" type="slidenum">
               <a:rPr lang="zh-CN" altLang="en-US" smtClean="0"/>
               <a:t>‹#›</a:t>
             </a:fld>
@@ -2127,7 +2127,7 @@
     </p:spTree>
     <p:extLst>
       <p:ext uri="{BB962C8B-B14F-4D97-AF65-F5344CB8AC3E}">
-        <p14:creationId xmlns:p14="http://schemas.microsoft.com/office/powerpoint/2010/main" val="2596461178"/>
+        <p14:creationId xmlns:p14="http://schemas.microsoft.com/office/powerpoint/2010/main" val="1041120915"/>
       </p:ext>
     </p:extLst>
   </p:cSld>
@@ -2159,7 +2159,7 @@
           <p:cNvPr id="2" name="标题 1">
             <a:extLst>
               <a:ext uri="{FF2B5EF4-FFF2-40B4-BE49-F238E27FC236}">
-                <a16:creationId xmlns:a16="http://schemas.microsoft.com/office/drawing/2014/main" id="{DE89DBDE-8688-65F3-F798-EC991DBD9F57}"/>
+                <a16:creationId xmlns:a16="http://schemas.microsoft.com/office/drawing/2014/main" id="{E92C9A70-1E6B-EB91-B411-309B6DA40CFC}"/>
               </a:ext>
             </a:extLst>
           </p:cNvPr>
@@ -2196,7 +2196,7 @@
           <p:cNvPr id="3" name="内容占位符 2">
             <a:extLst>
               <a:ext uri="{FF2B5EF4-FFF2-40B4-BE49-F238E27FC236}">
-                <a16:creationId xmlns:a16="http://schemas.microsoft.com/office/drawing/2014/main" id="{4F036E1C-25FB-BC8D-AC14-F05F5F7DEDB5}"/>
+                <a16:creationId xmlns:a16="http://schemas.microsoft.com/office/drawing/2014/main" id="{D9DC0349-AB1D-526E-AA4E-0982DBED6BD9}"/>
               </a:ext>
             </a:extLst>
           </p:cNvPr>
@@ -2286,7 +2286,7 @@
           <p:cNvPr id="4" name="文本占位符 3">
             <a:extLst>
               <a:ext uri="{FF2B5EF4-FFF2-40B4-BE49-F238E27FC236}">
-                <a16:creationId xmlns:a16="http://schemas.microsoft.com/office/drawing/2014/main" id="{FCCE1D57-2D08-D4BE-DF96-43C8CEEE6AE7}"/>
+                <a16:creationId xmlns:a16="http://schemas.microsoft.com/office/drawing/2014/main" id="{FAB21F66-977B-3092-C58C-F76CB1AFA20C}"/>
               </a:ext>
             </a:extLst>
           </p:cNvPr>
@@ -2357,7 +2357,7 @@
           <p:cNvPr id="5" name="日期占位符 4">
             <a:extLst>
               <a:ext uri="{FF2B5EF4-FFF2-40B4-BE49-F238E27FC236}">
-                <a16:creationId xmlns:a16="http://schemas.microsoft.com/office/drawing/2014/main" id="{4D561C88-1136-22A0-09F9-2570025CC6A9}"/>
+                <a16:creationId xmlns:a16="http://schemas.microsoft.com/office/drawing/2014/main" id="{75C6F9AB-AB35-5A3A-3BD4-5A9747BB16C8}"/>
               </a:ext>
             </a:extLst>
           </p:cNvPr>
@@ -2373,7 +2373,7 @@
           <a:bodyPr/>
           <a:lstStyle/>
           <a:p>
-            <a:fld id="{0979F481-22A3-4F71-B57F-EB140DC9818A}" type="datetimeFigureOut">
+            <a:fld id="{BB61DDCF-2A96-4366-AD48-95E3E0584124}" type="datetimeFigureOut">
               <a:rPr lang="zh-CN" altLang="en-US" smtClean="0"/>
               <a:t>2024/3/10</a:t>
             </a:fld>
@@ -2386,7 +2386,7 @@
           <p:cNvPr id="6" name="页脚占位符 5">
             <a:extLst>
               <a:ext uri="{FF2B5EF4-FFF2-40B4-BE49-F238E27FC236}">
-                <a16:creationId xmlns:a16="http://schemas.microsoft.com/office/drawing/2014/main" id="{14EAC8A7-8828-1D4D-58D9-B14A9ACE6837}"/>
+                <a16:creationId xmlns:a16="http://schemas.microsoft.com/office/drawing/2014/main" id="{1832EAD7-6A5B-02CF-66A9-8B67862A77A7}"/>
               </a:ext>
             </a:extLst>
           </p:cNvPr>
@@ -2411,7 +2411,7 @@
           <p:cNvPr id="7" name="灯片编号占位符 6">
             <a:extLst>
               <a:ext uri="{FF2B5EF4-FFF2-40B4-BE49-F238E27FC236}">
-                <a16:creationId xmlns:a16="http://schemas.microsoft.com/office/drawing/2014/main" id="{6ED2B78C-D27C-A8DB-1352-928EFE531275}"/>
+                <a16:creationId xmlns:a16="http://schemas.microsoft.com/office/drawing/2014/main" id="{967F4684-FF20-52FA-E8C5-6C4AFB7B7B01}"/>
               </a:ext>
             </a:extLst>
           </p:cNvPr>
@@ -2427,7 +2427,7 @@
           <a:bodyPr/>
           <a:lstStyle/>
           <a:p>
-            <a:fld id="{6146A1AA-B728-4EA2-B88A-9E16CCEAC9CE}" type="slidenum">
+            <a:fld id="{BD3AE1AB-8E7B-4151-ABBD-1002902AAEE4}" type="slidenum">
               <a:rPr lang="zh-CN" altLang="en-US" smtClean="0"/>
               <a:t>‹#›</a:t>
             </a:fld>
@@ -2438,7 +2438,7 @@
     </p:spTree>
     <p:extLst>
       <p:ext uri="{BB962C8B-B14F-4D97-AF65-F5344CB8AC3E}">
-        <p14:creationId xmlns:p14="http://schemas.microsoft.com/office/powerpoint/2010/main" val="2024411543"/>
+        <p14:creationId xmlns:p14="http://schemas.microsoft.com/office/powerpoint/2010/main" val="2836218680"/>
       </p:ext>
     </p:extLst>
   </p:cSld>
@@ -2470,7 +2470,7 @@
           <p:cNvPr id="2" name="标题 1">
             <a:extLst>
               <a:ext uri="{FF2B5EF4-FFF2-40B4-BE49-F238E27FC236}">
-                <a16:creationId xmlns:a16="http://schemas.microsoft.com/office/drawing/2014/main" id="{D8108714-3207-82CF-261D-EE9931E718DE}"/>
+                <a16:creationId xmlns:a16="http://schemas.microsoft.com/office/drawing/2014/main" id="{B916DB68-29FF-5D0D-921E-B9A60A1128B7}"/>
               </a:ext>
             </a:extLst>
           </p:cNvPr>
@@ -2507,7 +2507,7 @@
           <p:cNvPr id="3" name="图片占位符 2">
             <a:extLst>
               <a:ext uri="{FF2B5EF4-FFF2-40B4-BE49-F238E27FC236}">
-                <a16:creationId xmlns:a16="http://schemas.microsoft.com/office/drawing/2014/main" id="{F2DF37F1-0DE1-7CDB-22D6-29EAC2B4FECB}"/>
+                <a16:creationId xmlns:a16="http://schemas.microsoft.com/office/drawing/2014/main" id="{E842B162-5146-C3A1-064F-A5FEFCAF5DFE}"/>
               </a:ext>
             </a:extLst>
           </p:cNvPr>
@@ -2574,7 +2574,7 @@
           <p:cNvPr id="4" name="文本占位符 3">
             <a:extLst>
               <a:ext uri="{FF2B5EF4-FFF2-40B4-BE49-F238E27FC236}">
-                <a16:creationId xmlns:a16="http://schemas.microsoft.com/office/drawing/2014/main" id="{0C190F19-123D-8CBE-718F-3AFA3C78081F}"/>
+                <a16:creationId xmlns:a16="http://schemas.microsoft.com/office/drawing/2014/main" id="{961BBA40-C2B3-68D2-5ECD-ECBC8CA422BD}"/>
               </a:ext>
             </a:extLst>
           </p:cNvPr>
@@ -2645,7 +2645,7 @@
           <p:cNvPr id="5" name="日期占位符 4">
             <a:extLst>
               <a:ext uri="{FF2B5EF4-FFF2-40B4-BE49-F238E27FC236}">
-                <a16:creationId xmlns:a16="http://schemas.microsoft.com/office/drawing/2014/main" id="{DA4AC296-89E7-83CF-85E9-D42F39C56309}"/>
+                <a16:creationId xmlns:a16="http://schemas.microsoft.com/office/drawing/2014/main" id="{9745EB40-63DE-D765-124A-A1E49048834E}"/>
               </a:ext>
             </a:extLst>
           </p:cNvPr>
@@ -2661,7 +2661,7 @@
           <a:bodyPr/>
           <a:lstStyle/>
           <a:p>
-            <a:fld id="{0979F481-22A3-4F71-B57F-EB140DC9818A}" type="datetimeFigureOut">
+            <a:fld id="{BB61DDCF-2A96-4366-AD48-95E3E0584124}" type="datetimeFigureOut">
               <a:rPr lang="zh-CN" altLang="en-US" smtClean="0"/>
               <a:t>2024/3/10</a:t>
             </a:fld>
@@ -2674,7 +2674,7 @@
           <p:cNvPr id="6" name="页脚占位符 5">
             <a:extLst>
               <a:ext uri="{FF2B5EF4-FFF2-40B4-BE49-F238E27FC236}">
-                <a16:creationId xmlns:a16="http://schemas.microsoft.com/office/drawing/2014/main" id="{37AD2E82-198B-36A7-49AA-DAAAE1B2264B}"/>
+                <a16:creationId xmlns:a16="http://schemas.microsoft.com/office/drawing/2014/main" id="{F249A3CA-FE48-510C-5EC9-1C9BD6B31ACA}"/>
               </a:ext>
             </a:extLst>
           </p:cNvPr>
@@ -2699,7 +2699,7 @@
           <p:cNvPr id="7" name="灯片编号占位符 6">
             <a:extLst>
               <a:ext uri="{FF2B5EF4-FFF2-40B4-BE49-F238E27FC236}">
-                <a16:creationId xmlns:a16="http://schemas.microsoft.com/office/drawing/2014/main" id="{804C90E1-3180-62BD-482B-07FC9A207F00}"/>
+                <a16:creationId xmlns:a16="http://schemas.microsoft.com/office/drawing/2014/main" id="{FCF57441-AD57-7ECE-880F-138DD303324C}"/>
               </a:ext>
             </a:extLst>
           </p:cNvPr>
@@ -2715,7 +2715,7 @@
           <a:bodyPr/>
           <a:lstStyle/>
           <a:p>
-            <a:fld id="{6146A1AA-B728-4EA2-B88A-9E16CCEAC9CE}" type="slidenum">
+            <a:fld id="{BD3AE1AB-8E7B-4151-ABBD-1002902AAEE4}" type="slidenum">
               <a:rPr lang="zh-CN" altLang="en-US" smtClean="0"/>
               <a:t>‹#›</a:t>
             </a:fld>
@@ -2726,7 +2726,7 @@
     </p:spTree>
     <p:extLst>
       <p:ext uri="{BB962C8B-B14F-4D97-AF65-F5344CB8AC3E}">
-        <p14:creationId xmlns:p14="http://schemas.microsoft.com/office/powerpoint/2010/main" val="1041854617"/>
+        <p14:creationId xmlns:p14="http://schemas.microsoft.com/office/powerpoint/2010/main" val="1541964162"/>
       </p:ext>
     </p:extLst>
   </p:cSld>
@@ -2763,7 +2763,7 @@
           <p:cNvPr id="2" name="标题占位符 1">
             <a:extLst>
               <a:ext uri="{FF2B5EF4-FFF2-40B4-BE49-F238E27FC236}">
-                <a16:creationId xmlns:a16="http://schemas.microsoft.com/office/drawing/2014/main" id="{A4D15906-8ACE-5FD4-81F6-EEBB7B6702B9}"/>
+                <a16:creationId xmlns:a16="http://schemas.microsoft.com/office/drawing/2014/main" id="{D4C00307-5E7F-40C6-1192-6A2CD316C83D}"/>
               </a:ext>
             </a:extLst>
           </p:cNvPr>
@@ -2801,7 +2801,7 @@
           <p:cNvPr id="3" name="文本占位符 2">
             <a:extLst>
               <a:ext uri="{FF2B5EF4-FFF2-40B4-BE49-F238E27FC236}">
-                <a16:creationId xmlns:a16="http://schemas.microsoft.com/office/drawing/2014/main" id="{EE4A5B44-94D5-B520-4F17-3C9A58297D9E}"/>
+                <a16:creationId xmlns:a16="http://schemas.microsoft.com/office/drawing/2014/main" id="{641B1616-5744-35C8-2168-D4069DBBE38D}"/>
               </a:ext>
             </a:extLst>
           </p:cNvPr>
@@ -2868,7 +2868,7 @@
           <p:cNvPr id="4" name="日期占位符 3">
             <a:extLst>
               <a:ext uri="{FF2B5EF4-FFF2-40B4-BE49-F238E27FC236}">
-                <a16:creationId xmlns:a16="http://schemas.microsoft.com/office/drawing/2014/main" id="{B506FDC5-1FD6-8BB7-1C2C-6BBBD84BC3C6}"/>
+                <a16:creationId xmlns:a16="http://schemas.microsoft.com/office/drawing/2014/main" id="{E26E018B-6BC2-CE99-7345-75EBC3B5B600}"/>
               </a:ext>
             </a:extLst>
           </p:cNvPr>
@@ -2902,7 +2902,7 @@
             </a:lvl1pPr>
           </a:lstStyle>
           <a:p>
-            <a:fld id="{0979F481-22A3-4F71-B57F-EB140DC9818A}" type="datetimeFigureOut">
+            <a:fld id="{BB61DDCF-2A96-4366-AD48-95E3E0584124}" type="datetimeFigureOut">
               <a:rPr lang="zh-CN" altLang="en-US" smtClean="0"/>
               <a:t>2024/3/10</a:t>
             </a:fld>
@@ -2915,7 +2915,7 @@
           <p:cNvPr id="5" name="页脚占位符 4">
             <a:extLst>
               <a:ext uri="{FF2B5EF4-FFF2-40B4-BE49-F238E27FC236}">
-                <a16:creationId xmlns:a16="http://schemas.microsoft.com/office/drawing/2014/main" id="{4896243C-B9E6-8279-4A86-EABE30E0E161}"/>
+                <a16:creationId xmlns:a16="http://schemas.microsoft.com/office/drawing/2014/main" id="{767DFFC5-A7A2-D2CD-1CEB-F13FC9A6870D}"/>
               </a:ext>
             </a:extLst>
           </p:cNvPr>
@@ -2958,7 +2958,7 @@
           <p:cNvPr id="6" name="灯片编号占位符 5">
             <a:extLst>
               <a:ext uri="{FF2B5EF4-FFF2-40B4-BE49-F238E27FC236}">
-                <a16:creationId xmlns:a16="http://schemas.microsoft.com/office/drawing/2014/main" id="{04A6AAE0-C3EF-4C03-9D2F-02A4EF0EB21A}"/>
+                <a16:creationId xmlns:a16="http://schemas.microsoft.com/office/drawing/2014/main" id="{787D8555-8811-47EB-F047-F2E30BA63450}"/>
               </a:ext>
             </a:extLst>
           </p:cNvPr>
@@ -2992,7 +2992,7 @@
             </a:lvl1pPr>
           </a:lstStyle>
           <a:p>
-            <a:fld id="{6146A1AA-B728-4EA2-B88A-9E16CCEAC9CE}" type="slidenum">
+            <a:fld id="{BD3AE1AB-8E7B-4151-ABBD-1002902AAEE4}" type="slidenum">
               <a:rPr lang="zh-CN" altLang="en-US" smtClean="0"/>
               <a:t>‹#›</a:t>
             </a:fld>
@@ -3003,7 +3003,7 @@
     </p:spTree>
     <p:extLst>
       <p:ext uri="{BB962C8B-B14F-4D97-AF65-F5344CB8AC3E}">
-        <p14:creationId xmlns:p14="http://schemas.microsoft.com/office/powerpoint/2010/main" val="3255121347"/>
+        <p14:creationId xmlns:p14="http://schemas.microsoft.com/office/powerpoint/2010/main" val="915258818"/>
       </p:ext>
     </p:extLst>
   </p:cSld>
